--- a/Presentations/Meetings/2020-02-10/Meeting.pptx
+++ b/Presentations/Meetings/2020-02-10/Meeting.pptx
@@ -292,7 +292,7 @@
           <a:p>
             <a:fld id="{E4D37D77-59F4-4F40-A7D2-FD1165658DD5}" type="datetimeFigureOut">
               <a:rPr lang="en-ZA" smtClean="0"/>
-              <a:t>2020/02/10</a:t>
+              <a:t>2020-02-10</a:t>
             </a:fld>
             <a:endParaRPr lang="en-ZA"/>
           </a:p>
@@ -462,7 +462,7 @@
           <a:p>
             <a:fld id="{E4D37D77-59F4-4F40-A7D2-FD1165658DD5}" type="datetimeFigureOut">
               <a:rPr lang="en-ZA" smtClean="0"/>
-              <a:t>2020/02/10</a:t>
+              <a:t>2020-02-10</a:t>
             </a:fld>
             <a:endParaRPr lang="en-ZA"/>
           </a:p>
@@ -685,7 +685,7 @@
           <a:p>
             <a:fld id="{E4D37D77-59F4-4F40-A7D2-FD1165658DD5}" type="datetimeFigureOut">
               <a:rPr lang="en-ZA" smtClean="0"/>
-              <a:t>2020/02/10</a:t>
+              <a:t>2020-02-10</a:t>
             </a:fld>
             <a:endParaRPr lang="en-ZA"/>
           </a:p>
@@ -865,7 +865,7 @@
           <a:p>
             <a:fld id="{E4D37D77-59F4-4F40-A7D2-FD1165658DD5}" type="datetimeFigureOut">
               <a:rPr lang="en-ZA" smtClean="0"/>
-              <a:t>2020/02/10</a:t>
+              <a:t>2020-02-10</a:t>
             </a:fld>
             <a:endParaRPr lang="en-ZA"/>
           </a:p>
@@ -1171,7 +1171,7 @@
           <a:p>
             <a:fld id="{E4D37D77-59F4-4F40-A7D2-FD1165658DD5}" type="datetimeFigureOut">
               <a:rPr lang="en-ZA" smtClean="0"/>
-              <a:t>2020/02/10</a:t>
+              <a:t>2020-02-10</a:t>
             </a:fld>
             <a:endParaRPr lang="en-ZA"/>
           </a:p>
@@ -1475,7 +1475,7 @@
           <a:p>
             <a:fld id="{E4D37D77-59F4-4F40-A7D2-FD1165658DD5}" type="datetimeFigureOut">
               <a:rPr lang="en-ZA" smtClean="0"/>
-              <a:t>2020/02/10</a:t>
+              <a:t>2020-02-10</a:t>
             </a:fld>
             <a:endParaRPr lang="en-ZA"/>
           </a:p>
@@ -1897,7 +1897,7 @@
           <a:p>
             <a:fld id="{E4D37D77-59F4-4F40-A7D2-FD1165658DD5}" type="datetimeFigureOut">
               <a:rPr lang="en-ZA" smtClean="0"/>
-              <a:t>2020/02/10</a:t>
+              <a:t>2020-02-10</a:t>
             </a:fld>
             <a:endParaRPr lang="en-ZA"/>
           </a:p>
@@ -2015,7 +2015,7 @@
           <a:p>
             <a:fld id="{E4D37D77-59F4-4F40-A7D2-FD1165658DD5}" type="datetimeFigureOut">
               <a:rPr lang="en-ZA" smtClean="0"/>
-              <a:t>2020/02/10</a:t>
+              <a:t>2020-02-10</a:t>
             </a:fld>
             <a:endParaRPr lang="en-ZA"/>
           </a:p>
@@ -2110,7 +2110,7 @@
           <a:p>
             <a:fld id="{E4D37D77-59F4-4F40-A7D2-FD1165658DD5}" type="datetimeFigureOut">
               <a:rPr lang="en-ZA" smtClean="0"/>
-              <a:t>2020/02/10</a:t>
+              <a:t>2020-02-10</a:t>
             </a:fld>
             <a:endParaRPr lang="en-ZA"/>
           </a:p>
@@ -2383,7 +2383,7 @@
           <a:p>
             <a:fld id="{E4D37D77-59F4-4F40-A7D2-FD1165658DD5}" type="datetimeFigureOut">
               <a:rPr lang="en-ZA" smtClean="0"/>
-              <a:t>2020/02/10</a:t>
+              <a:t>2020-02-10</a:t>
             </a:fld>
             <a:endParaRPr lang="en-ZA"/>
           </a:p>
@@ -2648,7 +2648,7 @@
           <a:p>
             <a:fld id="{E4D37D77-59F4-4F40-A7D2-FD1165658DD5}" type="datetimeFigureOut">
               <a:rPr lang="en-ZA" smtClean="0"/>
-              <a:t>2020/02/10</a:t>
+              <a:t>2020-02-10</a:t>
             </a:fld>
             <a:endParaRPr lang="en-ZA"/>
           </a:p>
@@ -2897,7 +2897,7 @@
           <a:p>
             <a:fld id="{E4D37D77-59F4-4F40-A7D2-FD1165658DD5}" type="datetimeFigureOut">
               <a:rPr lang="en-ZA" smtClean="0"/>
-              <a:t>2020/02/10</a:t>
+              <a:t>2020-02-10</a:t>
             </a:fld>
             <a:endParaRPr lang="en-ZA"/>
           </a:p>
@@ -3716,7 +3716,9 @@
         </p:nvSpPr>
         <p:spPr/>
         <p:txBody>
-          <a:bodyPr/>
+          <a:bodyPr>
+            <a:normAutofit lnSpcReduction="10000"/>
+          </a:bodyPr>
           <a:lstStyle/>
           <a:p>
             <a:r>
@@ -3775,6 +3777,19 @@
             <a:r>
               <a:rPr lang="en-US" dirty="0"/>
               <a:t>Load cell</a:t>
+            </a:r>
+          </a:p>
+          <a:p>
+            <a:r>
+              <a:rPr lang="en-US" dirty="0"/>
+              <a:t>Samples</a:t>
+            </a:r>
+          </a:p>
+          <a:p>
+            <a:pPr lvl="1"/>
+            <a:r>
+              <a:rPr lang="en-US" dirty="0"/>
+              <a:t>Material stock</a:t>
             </a:r>
           </a:p>
         </p:txBody>
@@ -3867,7 +3882,7 @@
           <a:p>
             <a:pPr lvl="1"/>
             <a:r>
-              <a:rPr lang="en-US"/>
+              <a:rPr lang="en-US" dirty="0"/>
               <a:t>Format</a:t>
             </a:r>
           </a:p>
@@ -3890,6 +3905,37 @@
               <a:rPr lang="en-US" dirty="0"/>
               <a:t>Not enough PCs, DVI cables</a:t>
             </a:r>
+          </a:p>
+          <a:p>
+            <a:pPr lvl="1"/>
+            <a:r>
+              <a:rPr lang="en-US" dirty="0"/>
+              <a:t>Past students’ belongings</a:t>
+            </a:r>
+          </a:p>
+          <a:p>
+            <a:r>
+              <a:rPr lang="en-US" dirty="0"/>
+              <a:t>Demi</a:t>
+            </a:r>
+          </a:p>
+          <a:p>
+            <a:pPr lvl="1"/>
+            <a:r>
+              <a:rPr lang="en-US" dirty="0"/>
+              <a:t>Modeling</a:t>
+            </a:r>
+          </a:p>
+          <a:p>
+            <a:pPr lvl="1"/>
+            <a:r>
+              <a:rPr lang="en-US" dirty="0"/>
+              <a:t>Tuesdays 15:00 to 17:00</a:t>
+            </a:r>
+          </a:p>
+          <a:p>
+            <a:pPr lvl="1"/>
+            <a:endParaRPr lang="en-US" dirty="0"/>
           </a:p>
           <a:p>
             <a:pPr lvl="1"/>
